--- a/Project 1 - Ling Chong Gold.pptx
+++ b/Project 1 - Ling Chong Gold.pptx
@@ -8075,10 +8075,10 @@
       </p:pic>
       <p:pic>
         <p:nvPicPr>
-          <p:cNvPr id="4" name="Picture 3">
+          <p:cNvPr id="5" name="Picture 4">
             <a:extLst>
               <a:ext uri="{FF2B5EF4-FFF2-40B4-BE49-F238E27FC236}">
-                <a16:creationId xmlns:a16="http://schemas.microsoft.com/office/drawing/2014/main" id="{4E0750A0-FD69-46FC-9E5D-0E64B101995B}"/>
+                <a16:creationId xmlns:a16="http://schemas.microsoft.com/office/drawing/2014/main" id="{CCCC8DA4-608B-495F-AA6D-EC6815F53F40}"/>
               </a:ext>
             </a:extLst>
           </p:cNvPr>
@@ -8095,8 +8095,8 @@
         </p:blipFill>
         <p:spPr>
           <a:xfrm>
-            <a:off x="4197928" y="1735676"/>
-            <a:ext cx="4384963" cy="2723023"/>
+            <a:off x="4124811" y="1874302"/>
+            <a:ext cx="4333389" cy="2730805"/>
           </a:xfrm>
           <a:prstGeom prst="rect">
             <a:avLst/>
